--- a/Presentations/2018-12-07 - Redes Neurais Hands On/Redes Neurais Hands On.pptx
+++ b/Presentations/2018-12-07 - Redes Neurais Hands On/Redes Neurais Hands On.pptx
@@ -693,7 +693,7 @@
           <a:p>
             <a:fld id="{C09163D3-E41E-4776-87D9-59D97B4B53FA}" type="datetimeFigureOut">
               <a:rPr lang="pt-BR" smtClean="0"/>
-              <a:t>29/11/2018</a:t>
+              <a:t>07/12/2018</a:t>
             </a:fld>
             <a:endParaRPr lang="pt-BR"/>
           </a:p>
@@ -870,7 +870,7 @@
           <a:p>
             <a:fld id="{35D593E0-560A-4B9A-9193-0DABF3BD0873}" type="datetimeFigureOut">
               <a:rPr lang="pt-BR" smtClean="0"/>
-              <a:t>29/11/2018</a:t>
+              <a:t>07/12/2018</a:t>
             </a:fld>
             <a:endParaRPr lang="pt-BR"/>
           </a:p>
@@ -1322,7 +1322,7 @@
           <a:p>
             <a:fld id="{50A32AFD-70AB-4A4A-B070-D9E13A9407F7}" type="datetime1">
               <a:rPr lang="pt-BR" smtClean="0"/>
-              <a:t>29/11/2018</a:t>
+              <a:t>07/12/2018</a:t>
             </a:fld>
             <a:endParaRPr lang="pt-BR" dirty="0"/>
           </a:p>
@@ -1992,7 +1992,7 @@
           <a:p>
             <a:fld id="{4387ED82-A9DB-4E61-B7F7-F2EC3ABE39C2}" type="datetime1">
               <a:rPr lang="pt-BR" smtClean="0"/>
-              <a:t>29/11/2018</a:t>
+              <a:t>07/12/2018</a:t>
             </a:fld>
             <a:endParaRPr lang="pt-BR"/>
           </a:p>
@@ -25781,8 +25781,8 @@
           </p:sp>
         </mc:Fallback>
       </mc:AlternateContent>
-      <mc:AlternateContent xmlns:mc="http://schemas.openxmlformats.org/markup-compatibility/2006" xmlns:a14="http://schemas.microsoft.com/office/drawing/2010/main">
-        <mc:Choice Requires="a14">
+      <mc:AlternateContent xmlns:mc="http://schemas.openxmlformats.org/markup-compatibility/2006">
+        <mc:Choice xmlns:a14="http://schemas.microsoft.com/office/drawing/2010/main" Requires="a14">
           <p:sp>
             <p:nvSpPr>
               <p:cNvPr id="47" name="TextBox 46">
@@ -25798,7 +25798,7 @@
             <p:spPr>
               <a:xfrm>
                 <a:off x="8597794" y="2451731"/>
-                <a:ext cx="572721" cy="369332"/>
+                <a:ext cx="678316" cy="369332"/>
               </a:xfrm>
               <a:prstGeom prst="rect">
                 <a:avLst/>
@@ -25879,7 +25879,7 @@
             </p:txBody>
           </p:sp>
         </mc:Choice>
-        <mc:Fallback xmlns="">
+        <mc:Fallback>
           <p:sp>
             <p:nvSpPr>
               <p:cNvPr id="47" name="TextBox 46">
@@ -25897,7 +25897,7 @@
             <p:spPr>
               <a:xfrm>
                 <a:off x="8597794" y="2451731"/>
-                <a:ext cx="572721" cy="369332"/>
+                <a:ext cx="678316" cy="369332"/>
               </a:xfrm>
               <a:prstGeom prst="rect">
                 <a:avLst/>
@@ -25905,7 +25905,7 @@
               <a:blipFill>
                 <a:blip r:embed="rId31"/>
                 <a:stretch>
-                  <a:fillRect l="-8511" t="-8197" b="-72131"/>
+                  <a:fillRect l="-7407" t="-3333" b="-23333"/>
                 </a:stretch>
               </a:blipFill>
               <a:ln>
@@ -25927,8 +25927,8 @@
           </p:sp>
         </mc:Fallback>
       </mc:AlternateContent>
-      <mc:AlternateContent xmlns:mc="http://schemas.openxmlformats.org/markup-compatibility/2006" xmlns:a14="http://schemas.microsoft.com/office/drawing/2010/main">
-        <mc:Choice Requires="a14">
+      <mc:AlternateContent xmlns:mc="http://schemas.openxmlformats.org/markup-compatibility/2006">
+        <mc:Choice xmlns:a14="http://schemas.microsoft.com/office/drawing/2010/main" Requires="a14">
           <p:sp>
             <p:nvSpPr>
               <p:cNvPr id="48" name="TextBox 47">
@@ -25944,7 +25944,7 @@
             <p:spPr>
               <a:xfrm>
                 <a:off x="8623726" y="3515050"/>
-                <a:ext cx="572721" cy="369332"/>
+                <a:ext cx="652384" cy="369332"/>
               </a:xfrm>
               <a:prstGeom prst="rect">
                 <a:avLst/>
@@ -26025,7 +26025,7 @@
             </p:txBody>
           </p:sp>
         </mc:Choice>
-        <mc:Fallback xmlns="">
+        <mc:Fallback>
           <p:sp>
             <p:nvSpPr>
               <p:cNvPr id="48" name="TextBox 47">
@@ -26043,7 +26043,7 @@
             <p:spPr>
               <a:xfrm>
                 <a:off x="8623726" y="3515050"/>
-                <a:ext cx="572721" cy="369332"/>
+                <a:ext cx="652384" cy="369332"/>
               </a:xfrm>
               <a:prstGeom prst="rect">
                 <a:avLst/>
@@ -26051,7 +26051,7 @@
               <a:blipFill>
                 <a:blip r:embed="rId32"/>
                 <a:stretch>
-                  <a:fillRect l="-9574" t="-10000" b="-75000"/>
+                  <a:fillRect l="-7692" t="-6667" b="-23333"/>
                 </a:stretch>
               </a:blipFill>
               <a:ln>
@@ -26073,8 +26073,8 @@
           </p:sp>
         </mc:Fallback>
       </mc:AlternateContent>
-      <mc:AlternateContent xmlns:mc="http://schemas.openxmlformats.org/markup-compatibility/2006" xmlns:a14="http://schemas.microsoft.com/office/drawing/2010/main">
-        <mc:Choice Requires="a14">
+      <mc:AlternateContent xmlns:mc="http://schemas.openxmlformats.org/markup-compatibility/2006">
+        <mc:Choice xmlns:a14="http://schemas.microsoft.com/office/drawing/2010/main" Requires="a14">
           <p:sp>
             <p:nvSpPr>
               <p:cNvPr id="49" name="TextBox 48">
@@ -26090,7 +26090,7 @@
             <p:spPr>
               <a:xfrm>
                 <a:off x="10883654" y="2388951"/>
-                <a:ext cx="572721" cy="369332"/>
+                <a:ext cx="596620" cy="369332"/>
               </a:xfrm>
               <a:prstGeom prst="rect">
                 <a:avLst/>
@@ -26171,7 +26171,7 @@
             </p:txBody>
           </p:sp>
         </mc:Choice>
-        <mc:Fallback xmlns="">
+        <mc:Fallback>
           <p:sp>
             <p:nvSpPr>
               <p:cNvPr id="49" name="TextBox 48">
@@ -26189,7 +26189,7 @@
             <p:spPr>
               <a:xfrm>
                 <a:off x="10883654" y="2388951"/>
-                <a:ext cx="572721" cy="369332"/>
+                <a:ext cx="596620" cy="369332"/>
               </a:xfrm>
               <a:prstGeom prst="rect">
                 <a:avLst/>
@@ -26197,7 +26197,7 @@
               <a:blipFill>
                 <a:blip r:embed="rId33"/>
                 <a:stretch>
-                  <a:fillRect l="-8511" t="-10000" b="-75000"/>
+                  <a:fillRect l="-8333" t="-6667" b="-26667"/>
                 </a:stretch>
               </a:blipFill>
               <a:ln>
@@ -39429,7 +39429,7 @@
                   <a:schemeClr val="tx2"/>
                 </a:solidFill>
               </a:rPr>
-              <a:t>A influência da mudança do peso sobre a função de custo que direciona a otimização da rede neural</a:t>
+              <a:t>A influência da mudança do peso sobre a função de custo direciona a otimização da rede neural</a:t>
             </a:r>
           </a:p>
         </p:txBody>
@@ -42407,6 +42407,110 @@
           </a:p>
         </p:txBody>
       </p:sp>
+      <p:sp>
+        <p:nvSpPr>
+          <p:cNvPr id="31" name="Retângulo 30">
+            <a:extLst>
+              <a:ext uri="{FF2B5EF4-FFF2-40B4-BE49-F238E27FC236}">
+                <a16:creationId xmlns:a16="http://schemas.microsoft.com/office/drawing/2014/main" id="{30F3E854-C45E-9546-8D9D-32EE15F1EB18}"/>
+              </a:ext>
+            </a:extLst>
+          </p:cNvPr>
+          <p:cNvSpPr/>
+          <p:nvPr/>
+        </p:nvSpPr>
+        <p:spPr>
+          <a:xfrm>
+            <a:off x="6034802" y="5107945"/>
+            <a:ext cx="3410703" cy="740940"/>
+          </a:xfrm>
+          <a:prstGeom prst="rect">
+            <a:avLst/>
+          </a:prstGeom>
+          <a:solidFill>
+            <a:schemeClr val="bg1"/>
+          </a:solidFill>
+          <a:ln>
+            <a:noFill/>
+          </a:ln>
+        </p:spPr>
+        <p:style>
+          <a:lnRef idx="2">
+            <a:schemeClr val="accent1">
+              <a:shade val="50000"/>
+            </a:schemeClr>
+          </a:lnRef>
+          <a:fillRef idx="1">
+            <a:schemeClr val="accent1"/>
+          </a:fillRef>
+          <a:effectRef idx="0">
+            <a:schemeClr val="accent1"/>
+          </a:effectRef>
+          <a:fontRef idx="minor">
+            <a:schemeClr val="lt1"/>
+          </a:fontRef>
+        </p:style>
+        <p:txBody>
+          <a:bodyPr rtlCol="0" anchor="ctr"/>
+          <a:lstStyle/>
+          <a:p>
+            <a:pPr algn="ctr"/>
+            <a:endParaRPr lang="pt-BR"/>
+          </a:p>
+        </p:txBody>
+      </p:sp>
+      <p:sp>
+        <p:nvSpPr>
+          <p:cNvPr id="32" name="Rectangle 67">
+            <a:extLst>
+              <a:ext uri="{FF2B5EF4-FFF2-40B4-BE49-F238E27FC236}">
+                <a16:creationId xmlns:a16="http://schemas.microsoft.com/office/drawing/2014/main" id="{D8ADBEC9-7B61-9E4B-8702-7DAFFC916832}"/>
+              </a:ext>
+            </a:extLst>
+          </p:cNvPr>
+          <p:cNvSpPr/>
+          <p:nvPr/>
+        </p:nvSpPr>
+        <p:spPr>
+          <a:xfrm>
+            <a:off x="3798277" y="5186821"/>
+            <a:ext cx="2236524" cy="969293"/>
+          </a:xfrm>
+          <a:prstGeom prst="rect">
+            <a:avLst/>
+          </a:prstGeom>
+          <a:solidFill>
+            <a:schemeClr val="bg1"/>
+          </a:solidFill>
+          <a:ln>
+            <a:noFill/>
+          </a:ln>
+        </p:spPr>
+        <p:style>
+          <a:lnRef idx="2">
+            <a:schemeClr val="accent1">
+              <a:shade val="50000"/>
+            </a:schemeClr>
+          </a:lnRef>
+          <a:fillRef idx="1">
+            <a:schemeClr val="accent1"/>
+          </a:fillRef>
+          <a:effectRef idx="0">
+            <a:schemeClr val="accent1"/>
+          </a:effectRef>
+          <a:fontRef idx="minor">
+            <a:schemeClr val="lt1"/>
+          </a:fontRef>
+        </p:style>
+        <p:txBody>
+          <a:bodyPr rtlCol="0" anchor="ctr"/>
+          <a:lstStyle/>
+          <a:p>
+            <a:pPr algn="ctr"/>
+            <a:endParaRPr lang="pt-BR"/>
+          </a:p>
+        </p:txBody>
+      </p:sp>
     </p:spTree>
     <p:extLst>
       <p:ext uri="{BB962C8B-B14F-4D97-AF65-F5344CB8AC3E}">
@@ -43312,6 +43416,112 @@
                                         </p:tgtEl>
                                       </p:cBhvr>
                                     </p:animEffect>
+                                  </p:childTnLst>
+                                </p:cTn>
+                              </p:par>
+                            </p:childTnLst>
+                          </p:cTn>
+                        </p:par>
+                      </p:childTnLst>
+                    </p:cTn>
+                  </p:par>
+                  <p:par>
+                    <p:cTn id="83" fill="hold">
+                      <p:stCondLst>
+                        <p:cond delay="indefinite"/>
+                      </p:stCondLst>
+                      <p:childTnLst>
+                        <p:par>
+                          <p:cTn id="84" fill="hold">
+                            <p:stCondLst>
+                              <p:cond delay="0"/>
+                            </p:stCondLst>
+                            <p:childTnLst>
+                              <p:par>
+                                <p:cTn id="85" presetID="10" presetClass="exit" presetSubtype="0" fill="hold" grpId="0" nodeType="clickEffect">
+                                  <p:stCondLst>
+                                    <p:cond delay="0"/>
+                                  </p:stCondLst>
+                                  <p:childTnLst>
+                                    <p:animEffect transition="out" filter="fade">
+                                      <p:cBhvr>
+                                        <p:cTn id="86" dur="500"/>
+                                        <p:tgtEl>
+                                          <p:spTgt spid="32"/>
+                                        </p:tgtEl>
+                                      </p:cBhvr>
+                                    </p:animEffect>
+                                    <p:set>
+                                      <p:cBhvr>
+                                        <p:cTn id="87" dur="1" fill="hold">
+                                          <p:stCondLst>
+                                            <p:cond delay="499"/>
+                                          </p:stCondLst>
+                                        </p:cTn>
+                                        <p:tgtEl>
+                                          <p:spTgt spid="32"/>
+                                        </p:tgtEl>
+                                        <p:attrNameLst>
+                                          <p:attrName>style.visibility</p:attrName>
+                                        </p:attrNameLst>
+                                      </p:cBhvr>
+                                      <p:to>
+                                        <p:strVal val="hidden"/>
+                                      </p:to>
+                                    </p:set>
+                                  </p:childTnLst>
+                                </p:cTn>
+                              </p:par>
+                            </p:childTnLst>
+                          </p:cTn>
+                        </p:par>
+                      </p:childTnLst>
+                    </p:cTn>
+                  </p:par>
+                  <p:par>
+                    <p:cTn id="88" fill="hold">
+                      <p:stCondLst>
+                        <p:cond delay="indefinite"/>
+                      </p:stCondLst>
+                      <p:childTnLst>
+                        <p:par>
+                          <p:cTn id="89" fill="hold">
+                            <p:stCondLst>
+                              <p:cond delay="0"/>
+                            </p:stCondLst>
+                            <p:childTnLst>
+                              <p:par>
+                                <p:cTn id="90" presetID="10" presetClass="exit" presetSubtype="0" fill="hold" grpId="0" nodeType="clickEffect">
+                                  <p:stCondLst>
+                                    <p:cond delay="0"/>
+                                  </p:stCondLst>
+                                  <p:childTnLst>
+                                    <p:animEffect transition="out" filter="fade">
+                                      <p:cBhvr>
+                                        <p:cTn id="91" dur="500"/>
+                                        <p:tgtEl>
+                                          <p:spTgt spid="31"/>
+                                        </p:tgtEl>
+                                      </p:cBhvr>
+                                    </p:animEffect>
+                                    <p:set>
+                                      <p:cBhvr>
+                                        <p:cTn id="92" dur="1" fill="hold">
+                                          <p:stCondLst>
+                                            <p:cond delay="499"/>
+                                          </p:stCondLst>
+                                        </p:cTn>
+                                        <p:tgtEl>
+                                          <p:spTgt spid="31"/>
+                                        </p:tgtEl>
+                                        <p:attrNameLst>
+                                          <p:attrName>style.visibility</p:attrName>
+                                        </p:attrNameLst>
+                                      </p:cBhvr>
+                                      <p:to>
+                                        <p:strVal val="hidden"/>
+                                      </p:to>
+                                    </p:set>
                                   </p:childTnLst>
                                 </p:cTn>
                               </p:par>
@@ -43362,6 +43572,8 @@
       <p:bldP spid="28" grpId="0"/>
       <p:bldP spid="29" grpId="0"/>
       <p:bldP spid="30" grpId="0"/>
+      <p:bldP spid="31" grpId="0" animBg="1"/>
+      <p:bldP spid="32" grpId="0" animBg="1"/>
     </p:bldLst>
   </p:timing>
 </p:sld>
